--- a/Oppgave.pptx
+++ b/Oppgave.pptx
@@ -294,7 +294,8 @@
           <a:p>
             <a:fld id="{47AFD6D1-8D48-4B3D-9EAD-8116A8B72D09}" type="datetimeFigureOut">
               <a:rPr lang="en-US" smtClean="0"/>
-              <a:t>16.01.2012</a:t>
+              <a:pPr/>
+              <a:t>1/17/2012</a:t>
             </a:fld>
             <a:endParaRPr lang="en-US"/>
           </a:p>
@@ -336,6 +337,7 @@
           <a:p>
             <a:fld id="{090C54D5-BAE0-45AB-865E-23B1524F1C0F}" type="slidenum">
               <a:rPr lang="en-US" smtClean="0"/>
+              <a:pPr/>
               <a:t>‹#›</a:t>
             </a:fld>
             <a:endParaRPr lang="en-US"/>
@@ -345,7 +347,7 @@
     </p:spTree>
     <p:extLst>
       <p:ext uri="{BB962C8B-B14F-4D97-AF65-F5344CB8AC3E}">
-        <p14:creationId xmlns:p14="http://schemas.microsoft.com/office/powerpoint/2010/main" val="1580365688"/>
+        <p14:creationId xmlns:p14="http://schemas.microsoft.com/office/powerpoint/2010/main" xmlns="" val="1580365688"/>
       </p:ext>
     </p:extLst>
   </p:cSld>
@@ -464,7 +466,8 @@
           <a:p>
             <a:fld id="{47AFD6D1-8D48-4B3D-9EAD-8116A8B72D09}" type="datetimeFigureOut">
               <a:rPr lang="en-US" smtClean="0"/>
-              <a:t>16.01.2012</a:t>
+              <a:pPr/>
+              <a:t>1/17/2012</a:t>
             </a:fld>
             <a:endParaRPr lang="en-US"/>
           </a:p>
@@ -506,6 +509,7 @@
           <a:p>
             <a:fld id="{090C54D5-BAE0-45AB-865E-23B1524F1C0F}" type="slidenum">
               <a:rPr lang="en-US" smtClean="0"/>
+              <a:pPr/>
               <a:t>‹#›</a:t>
             </a:fld>
             <a:endParaRPr lang="en-US"/>
@@ -515,7 +519,7 @@
     </p:spTree>
     <p:extLst>
       <p:ext uri="{BB962C8B-B14F-4D97-AF65-F5344CB8AC3E}">
-        <p14:creationId xmlns:p14="http://schemas.microsoft.com/office/powerpoint/2010/main" val="4225185619"/>
+        <p14:creationId xmlns:p14="http://schemas.microsoft.com/office/powerpoint/2010/main" xmlns="" val="4225185619"/>
       </p:ext>
     </p:extLst>
   </p:cSld>
@@ -644,7 +648,8 @@
           <a:p>
             <a:fld id="{47AFD6D1-8D48-4B3D-9EAD-8116A8B72D09}" type="datetimeFigureOut">
               <a:rPr lang="en-US" smtClean="0"/>
-              <a:t>16.01.2012</a:t>
+              <a:pPr/>
+              <a:t>1/17/2012</a:t>
             </a:fld>
             <a:endParaRPr lang="en-US"/>
           </a:p>
@@ -686,6 +691,7 @@
           <a:p>
             <a:fld id="{090C54D5-BAE0-45AB-865E-23B1524F1C0F}" type="slidenum">
               <a:rPr lang="en-US" smtClean="0"/>
+              <a:pPr/>
               <a:t>‹#›</a:t>
             </a:fld>
             <a:endParaRPr lang="en-US"/>
@@ -695,7 +701,7 @@
     </p:spTree>
     <p:extLst>
       <p:ext uri="{BB962C8B-B14F-4D97-AF65-F5344CB8AC3E}">
-        <p14:creationId xmlns:p14="http://schemas.microsoft.com/office/powerpoint/2010/main" val="1362982347"/>
+        <p14:creationId xmlns:p14="http://schemas.microsoft.com/office/powerpoint/2010/main" xmlns="" val="1362982347"/>
       </p:ext>
     </p:extLst>
   </p:cSld>
@@ -814,7 +820,8 @@
           <a:p>
             <a:fld id="{47AFD6D1-8D48-4B3D-9EAD-8116A8B72D09}" type="datetimeFigureOut">
               <a:rPr lang="en-US" smtClean="0"/>
-              <a:t>16.01.2012</a:t>
+              <a:pPr/>
+              <a:t>1/17/2012</a:t>
             </a:fld>
             <a:endParaRPr lang="en-US"/>
           </a:p>
@@ -856,6 +863,7 @@
           <a:p>
             <a:fld id="{090C54D5-BAE0-45AB-865E-23B1524F1C0F}" type="slidenum">
               <a:rPr lang="en-US" smtClean="0"/>
+              <a:pPr/>
               <a:t>‹#›</a:t>
             </a:fld>
             <a:endParaRPr lang="en-US"/>
@@ -865,7 +873,7 @@
     </p:spTree>
     <p:extLst>
       <p:ext uri="{BB962C8B-B14F-4D97-AF65-F5344CB8AC3E}">
-        <p14:creationId xmlns:p14="http://schemas.microsoft.com/office/powerpoint/2010/main" val="443589863"/>
+        <p14:creationId xmlns:p14="http://schemas.microsoft.com/office/powerpoint/2010/main" xmlns="" val="443589863"/>
       </p:ext>
     </p:extLst>
   </p:cSld>
@@ -1060,7 +1068,8 @@
           <a:p>
             <a:fld id="{47AFD6D1-8D48-4B3D-9EAD-8116A8B72D09}" type="datetimeFigureOut">
               <a:rPr lang="en-US" smtClean="0"/>
-              <a:t>16.01.2012</a:t>
+              <a:pPr/>
+              <a:t>1/17/2012</a:t>
             </a:fld>
             <a:endParaRPr lang="en-US"/>
           </a:p>
@@ -1102,6 +1111,7 @@
           <a:p>
             <a:fld id="{090C54D5-BAE0-45AB-865E-23B1524F1C0F}" type="slidenum">
               <a:rPr lang="en-US" smtClean="0"/>
+              <a:pPr/>
               <a:t>‹#›</a:t>
             </a:fld>
             <a:endParaRPr lang="en-US"/>
@@ -1111,7 +1121,7 @@
     </p:spTree>
     <p:extLst>
       <p:ext uri="{BB962C8B-B14F-4D97-AF65-F5344CB8AC3E}">
-        <p14:creationId xmlns:p14="http://schemas.microsoft.com/office/powerpoint/2010/main" val="1114120103"/>
+        <p14:creationId xmlns:p14="http://schemas.microsoft.com/office/powerpoint/2010/main" xmlns="" val="1114120103"/>
       </p:ext>
     </p:extLst>
   </p:cSld>
@@ -1348,7 +1358,8 @@
           <a:p>
             <a:fld id="{47AFD6D1-8D48-4B3D-9EAD-8116A8B72D09}" type="datetimeFigureOut">
               <a:rPr lang="en-US" smtClean="0"/>
-              <a:t>16.01.2012</a:t>
+              <a:pPr/>
+              <a:t>1/17/2012</a:t>
             </a:fld>
             <a:endParaRPr lang="en-US"/>
           </a:p>
@@ -1390,6 +1401,7 @@
           <a:p>
             <a:fld id="{090C54D5-BAE0-45AB-865E-23B1524F1C0F}" type="slidenum">
               <a:rPr lang="en-US" smtClean="0"/>
+              <a:pPr/>
               <a:t>‹#›</a:t>
             </a:fld>
             <a:endParaRPr lang="en-US"/>
@@ -1399,7 +1411,7 @@
     </p:spTree>
     <p:extLst>
       <p:ext uri="{BB962C8B-B14F-4D97-AF65-F5344CB8AC3E}">
-        <p14:creationId xmlns:p14="http://schemas.microsoft.com/office/powerpoint/2010/main" val="840084067"/>
+        <p14:creationId xmlns:p14="http://schemas.microsoft.com/office/powerpoint/2010/main" xmlns="" val="840084067"/>
       </p:ext>
     </p:extLst>
   </p:cSld>
@@ -1770,7 +1782,8 @@
           <a:p>
             <a:fld id="{47AFD6D1-8D48-4B3D-9EAD-8116A8B72D09}" type="datetimeFigureOut">
               <a:rPr lang="en-US" smtClean="0"/>
-              <a:t>16.01.2012</a:t>
+              <a:pPr/>
+              <a:t>1/17/2012</a:t>
             </a:fld>
             <a:endParaRPr lang="en-US"/>
           </a:p>
@@ -1812,6 +1825,7 @@
           <a:p>
             <a:fld id="{090C54D5-BAE0-45AB-865E-23B1524F1C0F}" type="slidenum">
               <a:rPr lang="en-US" smtClean="0"/>
+              <a:pPr/>
               <a:t>‹#›</a:t>
             </a:fld>
             <a:endParaRPr lang="en-US"/>
@@ -1821,7 +1835,7 @@
     </p:spTree>
     <p:extLst>
       <p:ext uri="{BB962C8B-B14F-4D97-AF65-F5344CB8AC3E}">
-        <p14:creationId xmlns:p14="http://schemas.microsoft.com/office/powerpoint/2010/main" val="721943407"/>
+        <p14:creationId xmlns:p14="http://schemas.microsoft.com/office/powerpoint/2010/main" xmlns="" val="721943407"/>
       </p:ext>
     </p:extLst>
   </p:cSld>
@@ -1888,7 +1902,8 @@
           <a:p>
             <a:fld id="{47AFD6D1-8D48-4B3D-9EAD-8116A8B72D09}" type="datetimeFigureOut">
               <a:rPr lang="en-US" smtClean="0"/>
-              <a:t>16.01.2012</a:t>
+              <a:pPr/>
+              <a:t>1/17/2012</a:t>
             </a:fld>
             <a:endParaRPr lang="en-US"/>
           </a:p>
@@ -1930,6 +1945,7 @@
           <a:p>
             <a:fld id="{090C54D5-BAE0-45AB-865E-23B1524F1C0F}" type="slidenum">
               <a:rPr lang="en-US" smtClean="0"/>
+              <a:pPr/>
               <a:t>‹#›</a:t>
             </a:fld>
             <a:endParaRPr lang="en-US"/>
@@ -1939,7 +1955,7 @@
     </p:spTree>
     <p:extLst>
       <p:ext uri="{BB962C8B-B14F-4D97-AF65-F5344CB8AC3E}">
-        <p14:creationId xmlns:p14="http://schemas.microsoft.com/office/powerpoint/2010/main" val="443777616"/>
+        <p14:creationId xmlns:p14="http://schemas.microsoft.com/office/powerpoint/2010/main" xmlns="" val="443777616"/>
       </p:ext>
     </p:extLst>
   </p:cSld>
@@ -1983,7 +1999,8 @@
           <a:p>
             <a:fld id="{47AFD6D1-8D48-4B3D-9EAD-8116A8B72D09}" type="datetimeFigureOut">
               <a:rPr lang="en-US" smtClean="0"/>
-              <a:t>16.01.2012</a:t>
+              <a:pPr/>
+              <a:t>1/17/2012</a:t>
             </a:fld>
             <a:endParaRPr lang="en-US"/>
           </a:p>
@@ -2025,6 +2042,7 @@
           <a:p>
             <a:fld id="{090C54D5-BAE0-45AB-865E-23B1524F1C0F}" type="slidenum">
               <a:rPr lang="en-US" smtClean="0"/>
+              <a:pPr/>
               <a:t>‹#›</a:t>
             </a:fld>
             <a:endParaRPr lang="en-US"/>
@@ -2034,7 +2052,7 @@
     </p:spTree>
     <p:extLst>
       <p:ext uri="{BB962C8B-B14F-4D97-AF65-F5344CB8AC3E}">
-        <p14:creationId xmlns:p14="http://schemas.microsoft.com/office/powerpoint/2010/main" val="3992645995"/>
+        <p14:creationId xmlns:p14="http://schemas.microsoft.com/office/powerpoint/2010/main" xmlns="" val="3992645995"/>
       </p:ext>
     </p:extLst>
   </p:cSld>
@@ -2260,7 +2278,8 @@
           <a:p>
             <a:fld id="{47AFD6D1-8D48-4B3D-9EAD-8116A8B72D09}" type="datetimeFigureOut">
               <a:rPr lang="en-US" smtClean="0"/>
-              <a:t>16.01.2012</a:t>
+              <a:pPr/>
+              <a:t>1/17/2012</a:t>
             </a:fld>
             <a:endParaRPr lang="en-US"/>
           </a:p>
@@ -2302,6 +2321,7 @@
           <a:p>
             <a:fld id="{090C54D5-BAE0-45AB-865E-23B1524F1C0F}" type="slidenum">
               <a:rPr lang="en-US" smtClean="0"/>
+              <a:pPr/>
               <a:t>‹#›</a:t>
             </a:fld>
             <a:endParaRPr lang="en-US"/>
@@ -2311,7 +2331,7 @@
     </p:spTree>
     <p:extLst>
       <p:ext uri="{BB962C8B-B14F-4D97-AF65-F5344CB8AC3E}">
-        <p14:creationId xmlns:p14="http://schemas.microsoft.com/office/powerpoint/2010/main" val="2086082330"/>
+        <p14:creationId xmlns:p14="http://schemas.microsoft.com/office/powerpoint/2010/main" xmlns="" val="2086082330"/>
       </p:ext>
     </p:extLst>
   </p:cSld>
@@ -2513,7 +2533,8 @@
           <a:p>
             <a:fld id="{47AFD6D1-8D48-4B3D-9EAD-8116A8B72D09}" type="datetimeFigureOut">
               <a:rPr lang="en-US" smtClean="0"/>
-              <a:t>16.01.2012</a:t>
+              <a:pPr/>
+              <a:t>1/17/2012</a:t>
             </a:fld>
             <a:endParaRPr lang="en-US"/>
           </a:p>
@@ -2555,6 +2576,7 @@
           <a:p>
             <a:fld id="{090C54D5-BAE0-45AB-865E-23B1524F1C0F}" type="slidenum">
               <a:rPr lang="en-US" smtClean="0"/>
+              <a:pPr/>
               <a:t>‹#›</a:t>
             </a:fld>
             <a:endParaRPr lang="en-US"/>
@@ -2564,7 +2586,7 @@
     </p:spTree>
     <p:extLst>
       <p:ext uri="{BB962C8B-B14F-4D97-AF65-F5344CB8AC3E}">
-        <p14:creationId xmlns:p14="http://schemas.microsoft.com/office/powerpoint/2010/main" val="580711374"/>
+        <p14:creationId xmlns:p14="http://schemas.microsoft.com/office/powerpoint/2010/main" xmlns="" val="580711374"/>
       </p:ext>
     </p:extLst>
   </p:cSld>
@@ -2726,7 +2748,8 @@
           <a:p>
             <a:fld id="{47AFD6D1-8D48-4B3D-9EAD-8116A8B72D09}" type="datetimeFigureOut">
               <a:rPr lang="en-US" smtClean="0"/>
-              <a:t>16.01.2012</a:t>
+              <a:pPr/>
+              <a:t>1/17/2012</a:t>
             </a:fld>
             <a:endParaRPr lang="en-US"/>
           </a:p>
@@ -2804,6 +2827,7 @@
           <a:p>
             <a:fld id="{090C54D5-BAE0-45AB-865E-23B1524F1C0F}" type="slidenum">
               <a:rPr lang="en-US" smtClean="0"/>
+              <a:pPr/>
               <a:t>‹#›</a:t>
             </a:fld>
             <a:endParaRPr lang="en-US"/>
@@ -2813,7 +2837,7 @@
     </p:spTree>
     <p:extLst>
       <p:ext uri="{BB962C8B-B14F-4D97-AF65-F5344CB8AC3E}">
-        <p14:creationId xmlns:p14="http://schemas.microsoft.com/office/powerpoint/2010/main" val="4038913837"/>
+        <p14:creationId xmlns:p14="http://schemas.microsoft.com/office/powerpoint/2010/main" xmlns="" val="4038913837"/>
       </p:ext>
     </p:extLst>
   </p:cSld>
@@ -3142,7 +3166,7 @@
     </p:spTree>
     <p:extLst>
       <p:ext uri="{BB962C8B-B14F-4D97-AF65-F5344CB8AC3E}">
-        <p14:creationId xmlns:p14="http://schemas.microsoft.com/office/powerpoint/2010/main" val="808825028"/>
+        <p14:creationId xmlns:p14="http://schemas.microsoft.com/office/powerpoint/2010/main" xmlns="" val="808825028"/>
       </p:ext>
     </p:extLst>
   </p:cSld>
@@ -3270,7 +3294,7 @@
     </p:spTree>
     <p:extLst>
       <p:ext uri="{BB962C8B-B14F-4D97-AF65-F5344CB8AC3E}">
-        <p14:creationId xmlns:p14="http://schemas.microsoft.com/office/powerpoint/2010/main" val="1336873684"/>
+        <p14:creationId xmlns:p14="http://schemas.microsoft.com/office/powerpoint/2010/main" xmlns="" val="1336873684"/>
       </p:ext>
     </p:extLst>
   </p:cSld>
@@ -3384,7 +3408,7 @@
     </p:spTree>
     <p:extLst>
       <p:ext uri="{BB962C8B-B14F-4D97-AF65-F5344CB8AC3E}">
-        <p14:creationId xmlns:p14="http://schemas.microsoft.com/office/powerpoint/2010/main" val="782890613"/>
+        <p14:creationId xmlns:p14="http://schemas.microsoft.com/office/powerpoint/2010/main" xmlns="" val="782890613"/>
       </p:ext>
     </p:extLst>
   </p:cSld>
@@ -3497,7 +3521,7 @@
     </p:spTree>
     <p:extLst>
       <p:ext uri="{BB962C8B-B14F-4D97-AF65-F5344CB8AC3E}">
-        <p14:creationId xmlns:p14="http://schemas.microsoft.com/office/powerpoint/2010/main" val="3698270240"/>
+        <p14:creationId xmlns:p14="http://schemas.microsoft.com/office/powerpoint/2010/main" xmlns="" val="3698270240"/>
       </p:ext>
     </p:extLst>
   </p:cSld>
@@ -3564,7 +3588,19 @@
           <a:p>
             <a:r>
               <a:rPr lang="nb-NO" dirty="0" smtClean="0"/>
-              <a:t>Lage en tjeneste som henter en spesifk bok basert på id /books/{id}</a:t>
+              <a:t>Lage en tjeneste som henter en </a:t>
+            </a:r>
+            <a:r>
+              <a:rPr lang="nb-NO" dirty="0" err="1" smtClean="0"/>
+              <a:t>spesifik</a:t>
+            </a:r>
+            <a:r>
+              <a:rPr lang="nb-NO" dirty="0" smtClean="0"/>
+              <a:t> </a:t>
+            </a:r>
+            <a:r>
+              <a:rPr lang="nb-NO" dirty="0" smtClean="0"/>
+              <a:t>bok basert på id /books/{id}</a:t>
             </a:r>
           </a:p>
           <a:p>
@@ -3589,7 +3625,7 @@
     </p:spTree>
     <p:extLst>
       <p:ext uri="{BB962C8B-B14F-4D97-AF65-F5344CB8AC3E}">
-        <p14:creationId xmlns:p14="http://schemas.microsoft.com/office/powerpoint/2010/main" val="289714611"/>
+        <p14:creationId xmlns:p14="http://schemas.microsoft.com/office/powerpoint/2010/main" xmlns="" val="289714611"/>
       </p:ext>
     </p:extLst>
   </p:cSld>
@@ -3787,7 +3823,7 @@
     </p:spTree>
     <p:extLst>
       <p:ext uri="{BB962C8B-B14F-4D97-AF65-F5344CB8AC3E}">
-        <p14:creationId xmlns:p14="http://schemas.microsoft.com/office/powerpoint/2010/main" val="432442344"/>
+        <p14:creationId xmlns:p14="http://schemas.microsoft.com/office/powerpoint/2010/main" xmlns="" val="432442344"/>
       </p:ext>
     </p:extLst>
   </p:cSld>
@@ -4164,7 +4200,7 @@
     </p:spTree>
     <p:extLst>
       <p:ext uri="{BB962C8B-B14F-4D97-AF65-F5344CB8AC3E}">
-        <p14:creationId xmlns:p14="http://schemas.microsoft.com/office/powerpoint/2010/main" val="3268482563"/>
+        <p14:creationId xmlns:p14="http://schemas.microsoft.com/office/powerpoint/2010/main" xmlns="" val="3268482563"/>
       </p:ext>
     </p:extLst>
   </p:cSld>

--- a/Oppgave.pptx
+++ b/Oppgave.pptx
@@ -295,7 +295,7 @@
             <a:fld id="{47AFD6D1-8D48-4B3D-9EAD-8116A8B72D09}" type="datetimeFigureOut">
               <a:rPr lang="en-US" smtClean="0"/>
               <a:pPr/>
-              <a:t>1/17/2012</a:t>
+              <a:t>19.01.2012</a:t>
             </a:fld>
             <a:endParaRPr lang="en-US"/>
           </a:p>
@@ -347,7 +347,7 @@
     </p:spTree>
     <p:extLst>
       <p:ext uri="{BB962C8B-B14F-4D97-AF65-F5344CB8AC3E}">
-        <p14:creationId xmlns:p14="http://schemas.microsoft.com/office/powerpoint/2010/main" xmlns="" val="1580365688"/>
+        <p14:creationId xmlns:p14="http://schemas.microsoft.com/office/powerpoint/2010/main" val="1580365688"/>
       </p:ext>
     </p:extLst>
   </p:cSld>
@@ -467,7 +467,7 @@
             <a:fld id="{47AFD6D1-8D48-4B3D-9EAD-8116A8B72D09}" type="datetimeFigureOut">
               <a:rPr lang="en-US" smtClean="0"/>
               <a:pPr/>
-              <a:t>1/17/2012</a:t>
+              <a:t>19.01.2012</a:t>
             </a:fld>
             <a:endParaRPr lang="en-US"/>
           </a:p>
@@ -519,7 +519,7 @@
     </p:spTree>
     <p:extLst>
       <p:ext uri="{BB962C8B-B14F-4D97-AF65-F5344CB8AC3E}">
-        <p14:creationId xmlns:p14="http://schemas.microsoft.com/office/powerpoint/2010/main" xmlns="" val="4225185619"/>
+        <p14:creationId xmlns:p14="http://schemas.microsoft.com/office/powerpoint/2010/main" val="4225185619"/>
       </p:ext>
     </p:extLst>
   </p:cSld>
@@ -649,7 +649,7 @@
             <a:fld id="{47AFD6D1-8D48-4B3D-9EAD-8116A8B72D09}" type="datetimeFigureOut">
               <a:rPr lang="en-US" smtClean="0"/>
               <a:pPr/>
-              <a:t>1/17/2012</a:t>
+              <a:t>19.01.2012</a:t>
             </a:fld>
             <a:endParaRPr lang="en-US"/>
           </a:p>
@@ -701,7 +701,7 @@
     </p:spTree>
     <p:extLst>
       <p:ext uri="{BB962C8B-B14F-4D97-AF65-F5344CB8AC3E}">
-        <p14:creationId xmlns:p14="http://schemas.microsoft.com/office/powerpoint/2010/main" xmlns="" val="1362982347"/>
+        <p14:creationId xmlns:p14="http://schemas.microsoft.com/office/powerpoint/2010/main" val="1362982347"/>
       </p:ext>
     </p:extLst>
   </p:cSld>
@@ -821,7 +821,7 @@
             <a:fld id="{47AFD6D1-8D48-4B3D-9EAD-8116A8B72D09}" type="datetimeFigureOut">
               <a:rPr lang="en-US" smtClean="0"/>
               <a:pPr/>
-              <a:t>1/17/2012</a:t>
+              <a:t>19.01.2012</a:t>
             </a:fld>
             <a:endParaRPr lang="en-US"/>
           </a:p>
@@ -873,7 +873,7 @@
     </p:spTree>
     <p:extLst>
       <p:ext uri="{BB962C8B-B14F-4D97-AF65-F5344CB8AC3E}">
-        <p14:creationId xmlns:p14="http://schemas.microsoft.com/office/powerpoint/2010/main" xmlns="" val="443589863"/>
+        <p14:creationId xmlns:p14="http://schemas.microsoft.com/office/powerpoint/2010/main" val="443589863"/>
       </p:ext>
     </p:extLst>
   </p:cSld>
@@ -1069,7 +1069,7 @@
             <a:fld id="{47AFD6D1-8D48-4B3D-9EAD-8116A8B72D09}" type="datetimeFigureOut">
               <a:rPr lang="en-US" smtClean="0"/>
               <a:pPr/>
-              <a:t>1/17/2012</a:t>
+              <a:t>19.01.2012</a:t>
             </a:fld>
             <a:endParaRPr lang="en-US"/>
           </a:p>
@@ -1121,7 +1121,7 @@
     </p:spTree>
     <p:extLst>
       <p:ext uri="{BB962C8B-B14F-4D97-AF65-F5344CB8AC3E}">
-        <p14:creationId xmlns:p14="http://schemas.microsoft.com/office/powerpoint/2010/main" xmlns="" val="1114120103"/>
+        <p14:creationId xmlns:p14="http://schemas.microsoft.com/office/powerpoint/2010/main" val="1114120103"/>
       </p:ext>
     </p:extLst>
   </p:cSld>
@@ -1359,7 +1359,7 @@
             <a:fld id="{47AFD6D1-8D48-4B3D-9EAD-8116A8B72D09}" type="datetimeFigureOut">
               <a:rPr lang="en-US" smtClean="0"/>
               <a:pPr/>
-              <a:t>1/17/2012</a:t>
+              <a:t>19.01.2012</a:t>
             </a:fld>
             <a:endParaRPr lang="en-US"/>
           </a:p>
@@ -1411,7 +1411,7 @@
     </p:spTree>
     <p:extLst>
       <p:ext uri="{BB962C8B-B14F-4D97-AF65-F5344CB8AC3E}">
-        <p14:creationId xmlns:p14="http://schemas.microsoft.com/office/powerpoint/2010/main" xmlns="" val="840084067"/>
+        <p14:creationId xmlns:p14="http://schemas.microsoft.com/office/powerpoint/2010/main" val="840084067"/>
       </p:ext>
     </p:extLst>
   </p:cSld>
@@ -1783,7 +1783,7 @@
             <a:fld id="{47AFD6D1-8D48-4B3D-9EAD-8116A8B72D09}" type="datetimeFigureOut">
               <a:rPr lang="en-US" smtClean="0"/>
               <a:pPr/>
-              <a:t>1/17/2012</a:t>
+              <a:t>19.01.2012</a:t>
             </a:fld>
             <a:endParaRPr lang="en-US"/>
           </a:p>
@@ -1835,7 +1835,7 @@
     </p:spTree>
     <p:extLst>
       <p:ext uri="{BB962C8B-B14F-4D97-AF65-F5344CB8AC3E}">
-        <p14:creationId xmlns:p14="http://schemas.microsoft.com/office/powerpoint/2010/main" xmlns="" val="721943407"/>
+        <p14:creationId xmlns:p14="http://schemas.microsoft.com/office/powerpoint/2010/main" val="721943407"/>
       </p:ext>
     </p:extLst>
   </p:cSld>
@@ -1903,7 +1903,7 @@
             <a:fld id="{47AFD6D1-8D48-4B3D-9EAD-8116A8B72D09}" type="datetimeFigureOut">
               <a:rPr lang="en-US" smtClean="0"/>
               <a:pPr/>
-              <a:t>1/17/2012</a:t>
+              <a:t>19.01.2012</a:t>
             </a:fld>
             <a:endParaRPr lang="en-US"/>
           </a:p>
@@ -1955,7 +1955,7 @@
     </p:spTree>
     <p:extLst>
       <p:ext uri="{BB962C8B-B14F-4D97-AF65-F5344CB8AC3E}">
-        <p14:creationId xmlns:p14="http://schemas.microsoft.com/office/powerpoint/2010/main" xmlns="" val="443777616"/>
+        <p14:creationId xmlns:p14="http://schemas.microsoft.com/office/powerpoint/2010/main" val="443777616"/>
       </p:ext>
     </p:extLst>
   </p:cSld>
@@ -2000,7 +2000,7 @@
             <a:fld id="{47AFD6D1-8D48-4B3D-9EAD-8116A8B72D09}" type="datetimeFigureOut">
               <a:rPr lang="en-US" smtClean="0"/>
               <a:pPr/>
-              <a:t>1/17/2012</a:t>
+              <a:t>19.01.2012</a:t>
             </a:fld>
             <a:endParaRPr lang="en-US"/>
           </a:p>
@@ -2052,7 +2052,7 @@
     </p:spTree>
     <p:extLst>
       <p:ext uri="{BB962C8B-B14F-4D97-AF65-F5344CB8AC3E}">
-        <p14:creationId xmlns:p14="http://schemas.microsoft.com/office/powerpoint/2010/main" xmlns="" val="3992645995"/>
+        <p14:creationId xmlns:p14="http://schemas.microsoft.com/office/powerpoint/2010/main" val="3992645995"/>
       </p:ext>
     </p:extLst>
   </p:cSld>
@@ -2279,7 +2279,7 @@
             <a:fld id="{47AFD6D1-8D48-4B3D-9EAD-8116A8B72D09}" type="datetimeFigureOut">
               <a:rPr lang="en-US" smtClean="0"/>
               <a:pPr/>
-              <a:t>1/17/2012</a:t>
+              <a:t>19.01.2012</a:t>
             </a:fld>
             <a:endParaRPr lang="en-US"/>
           </a:p>
@@ -2331,7 +2331,7 @@
     </p:spTree>
     <p:extLst>
       <p:ext uri="{BB962C8B-B14F-4D97-AF65-F5344CB8AC3E}">
-        <p14:creationId xmlns:p14="http://schemas.microsoft.com/office/powerpoint/2010/main" xmlns="" val="2086082330"/>
+        <p14:creationId xmlns:p14="http://schemas.microsoft.com/office/powerpoint/2010/main" val="2086082330"/>
       </p:ext>
     </p:extLst>
   </p:cSld>
@@ -2534,7 +2534,7 @@
             <a:fld id="{47AFD6D1-8D48-4B3D-9EAD-8116A8B72D09}" type="datetimeFigureOut">
               <a:rPr lang="en-US" smtClean="0"/>
               <a:pPr/>
-              <a:t>1/17/2012</a:t>
+              <a:t>19.01.2012</a:t>
             </a:fld>
             <a:endParaRPr lang="en-US"/>
           </a:p>
@@ -2586,7 +2586,7 @@
     </p:spTree>
     <p:extLst>
       <p:ext uri="{BB962C8B-B14F-4D97-AF65-F5344CB8AC3E}">
-        <p14:creationId xmlns:p14="http://schemas.microsoft.com/office/powerpoint/2010/main" xmlns="" val="580711374"/>
+        <p14:creationId xmlns:p14="http://schemas.microsoft.com/office/powerpoint/2010/main" val="580711374"/>
       </p:ext>
     </p:extLst>
   </p:cSld>
@@ -2749,7 +2749,7 @@
             <a:fld id="{47AFD6D1-8D48-4B3D-9EAD-8116A8B72D09}" type="datetimeFigureOut">
               <a:rPr lang="en-US" smtClean="0"/>
               <a:pPr/>
-              <a:t>1/17/2012</a:t>
+              <a:t>19.01.2012</a:t>
             </a:fld>
             <a:endParaRPr lang="en-US"/>
           </a:p>
@@ -2837,7 +2837,7 @@
     </p:spTree>
     <p:extLst>
       <p:ext uri="{BB962C8B-B14F-4D97-AF65-F5344CB8AC3E}">
-        <p14:creationId xmlns:p14="http://schemas.microsoft.com/office/powerpoint/2010/main" xmlns="" val="4038913837"/>
+        <p14:creationId xmlns:p14="http://schemas.microsoft.com/office/powerpoint/2010/main" val="4038913837"/>
       </p:ext>
     </p:extLst>
   </p:cSld>
@@ -3140,7 +3140,11 @@
           <a:bodyPr/>
           <a:lstStyle/>
           <a:p>
-            <a:endParaRPr lang="en-US"/>
+            <a:r>
+              <a:rPr lang="nb-NO" dirty="0" smtClean="0"/>
+              <a:t>Oppgaver</a:t>
+            </a:r>
+            <a:endParaRPr lang="en-US" dirty="0"/>
           </a:p>
         </p:txBody>
       </p:sp>
@@ -3166,7 +3170,7 @@
     </p:spTree>
     <p:extLst>
       <p:ext uri="{BB962C8B-B14F-4D97-AF65-F5344CB8AC3E}">
-        <p14:creationId xmlns:p14="http://schemas.microsoft.com/office/powerpoint/2010/main" xmlns="" val="808825028"/>
+        <p14:creationId xmlns:p14="http://schemas.microsoft.com/office/powerpoint/2010/main" val="808825028"/>
       </p:ext>
     </p:extLst>
   </p:cSld>
@@ -3210,7 +3214,7 @@
           <a:p>
             <a:r>
               <a:rPr lang="nb-NO" dirty="0" smtClean="0"/>
-              <a:t>Start</a:t>
+              <a:t>Startapplikasjon</a:t>
             </a:r>
             <a:endParaRPr lang="en-US" dirty="0"/>
           </a:p>
@@ -3294,7 +3298,7 @@
     </p:spTree>
     <p:extLst>
       <p:ext uri="{BB962C8B-B14F-4D97-AF65-F5344CB8AC3E}">
-        <p14:creationId xmlns:p14="http://schemas.microsoft.com/office/powerpoint/2010/main" xmlns="" val="1336873684"/>
+        <p14:creationId xmlns:p14="http://schemas.microsoft.com/office/powerpoint/2010/main" val="1336873684"/>
       </p:ext>
     </p:extLst>
   </p:cSld>
@@ -3408,7 +3412,7 @@
     </p:spTree>
     <p:extLst>
       <p:ext uri="{BB962C8B-B14F-4D97-AF65-F5344CB8AC3E}">
-        <p14:creationId xmlns:p14="http://schemas.microsoft.com/office/powerpoint/2010/main" xmlns="" val="782890613"/>
+        <p14:creationId xmlns:p14="http://schemas.microsoft.com/office/powerpoint/2010/main" val="782890613"/>
       </p:ext>
     </p:extLst>
   </p:cSld>
@@ -3521,7 +3525,7 @@
     </p:spTree>
     <p:extLst>
       <p:ext uri="{BB962C8B-B14F-4D97-AF65-F5344CB8AC3E}">
-        <p14:creationId xmlns:p14="http://schemas.microsoft.com/office/powerpoint/2010/main" xmlns="" val="3698270240"/>
+        <p14:creationId xmlns:p14="http://schemas.microsoft.com/office/powerpoint/2010/main" val="3698270240"/>
       </p:ext>
     </p:extLst>
   </p:cSld>
@@ -3596,11 +3600,7 @@
             </a:r>
             <a:r>
               <a:rPr lang="nb-NO" dirty="0" smtClean="0"/>
-              <a:t> </a:t>
-            </a:r>
-            <a:r>
-              <a:rPr lang="nb-NO" dirty="0" smtClean="0"/>
-              <a:t>bok basert på id /books/{id}</a:t>
+              <a:t> bok basert på id /books/{id}</a:t>
             </a:r>
           </a:p>
           <a:p>
@@ -3613,7 +3613,15 @@
           <a:p>
             <a:r>
               <a:rPr lang="nb-NO" dirty="0" smtClean="0"/>
-              <a:t>Lage til hørende view som viser boka</a:t>
+              <a:t>Lage </a:t>
+            </a:r>
+            <a:r>
+              <a:rPr lang="nb-NO" dirty="0" smtClean="0"/>
+              <a:t>tilhørende </a:t>
+            </a:r>
+            <a:r>
+              <a:rPr lang="nb-NO" dirty="0" smtClean="0"/>
+              <a:t>view som viser boka</a:t>
             </a:r>
           </a:p>
           <a:p>
@@ -3625,7 +3633,7 @@
     </p:spTree>
     <p:extLst>
       <p:ext uri="{BB962C8B-B14F-4D97-AF65-F5344CB8AC3E}">
-        <p14:creationId xmlns:p14="http://schemas.microsoft.com/office/powerpoint/2010/main" xmlns="" val="289714611"/>
+        <p14:creationId xmlns:p14="http://schemas.microsoft.com/office/powerpoint/2010/main" val="289714611"/>
       </p:ext>
     </p:extLst>
   </p:cSld>
@@ -3823,7 +3831,7 @@
     </p:spTree>
     <p:extLst>
       <p:ext uri="{BB962C8B-B14F-4D97-AF65-F5344CB8AC3E}">
-        <p14:creationId xmlns:p14="http://schemas.microsoft.com/office/powerpoint/2010/main" xmlns="" val="432442344"/>
+        <p14:creationId xmlns:p14="http://schemas.microsoft.com/office/powerpoint/2010/main" val="432442344"/>
       </p:ext>
     </p:extLst>
   </p:cSld>
@@ -3888,7 +3896,7 @@
         <p:spPr/>
         <p:txBody>
           <a:bodyPr>
-            <a:normAutofit/>
+            <a:normAutofit fontScale="70000" lnSpcReduction="20000"/>
           </a:bodyPr>
           <a:lstStyle/>
           <a:p>
@@ -3914,6 +3922,14 @@
             </a:r>
             <a:r>
               <a:rPr lang="en-US" dirty="0" smtClean="0"/>
+              <a:t> </a:t>
+            </a:r>
+            <a:r>
+              <a:rPr lang="en-US" dirty="0" err="1" smtClean="0"/>
+              <a:t>ett</a:t>
+            </a:r>
+            <a:r>
+              <a:rPr lang="en-US" dirty="0" smtClean="0"/>
               <a:t> view </a:t>
             </a:r>
             <a:r>
@@ -3926,7 +3942,134 @@
             </a:r>
             <a:r>
               <a:rPr lang="en-US" dirty="0" err="1" smtClean="0"/>
-              <a:t>oppdater</a:t>
+              <a:t>oppdaterer</a:t>
+            </a:r>
+            <a:r>
+              <a:rPr lang="en-US" dirty="0" smtClean="0"/>
+              <a:t> </a:t>
+            </a:r>
+            <a:r>
+              <a:rPr lang="en-US" dirty="0" smtClean="0"/>
+              <a:t>en </a:t>
+            </a:r>
+            <a:r>
+              <a:rPr lang="en-US" dirty="0" err="1" smtClean="0"/>
+              <a:t>bok</a:t>
+            </a:r>
+            <a:endParaRPr lang="en-US" dirty="0" smtClean="0"/>
+          </a:p>
+          <a:p>
+            <a:pPr lvl="1"/>
+            <a:r>
+              <a:rPr lang="nb-NO" dirty="0" smtClean="0"/>
+              <a:t>/books/{id}</a:t>
+            </a:r>
+            <a:endParaRPr lang="en-US" dirty="0"/>
+          </a:p>
+          <a:p>
+            <a:pPr lvl="1"/>
+            <a:r>
+              <a:rPr lang="en-US" dirty="0" smtClean="0"/>
+              <a:t>@</a:t>
+            </a:r>
+            <a:r>
+              <a:rPr lang="en-US" dirty="0" err="1" smtClean="0"/>
+              <a:t>RequestMethod.</a:t>
+            </a:r>
+            <a:r>
+              <a:rPr lang="en-US" i="1" dirty="0" err="1" smtClean="0"/>
+              <a:t>PUT</a:t>
+            </a:r>
+            <a:endParaRPr lang="en-US" i="1" dirty="0" smtClean="0"/>
+          </a:p>
+          <a:p>
+            <a:pPr lvl="1"/>
+            <a:r>
+              <a:rPr lang="en-US" dirty="0"/>
+              <a:t>@</a:t>
+            </a:r>
+            <a:r>
+              <a:rPr lang="en-US" dirty="0" err="1" smtClean="0"/>
+              <a:t>ResponseBody</a:t>
+            </a:r>
+            <a:endParaRPr lang="en-US" dirty="0" smtClean="0"/>
+          </a:p>
+          <a:p>
+            <a:pPr lvl="2"/>
+            <a:r>
+              <a:rPr lang="nb-NO" dirty="0" smtClean="0"/>
+              <a:t>Bruk responsbody for å kunne returnere ett objekt, ikke ett view</a:t>
+            </a:r>
+            <a:endParaRPr lang="en-US" dirty="0" smtClean="0"/>
+          </a:p>
+          <a:p>
+            <a:r>
+              <a:rPr lang="en-US" dirty="0" smtClean="0"/>
+              <a:t>La et </a:t>
+            </a:r>
+            <a:r>
+              <a:rPr lang="en-US" dirty="0" err="1" smtClean="0"/>
+              <a:t>js</a:t>
+            </a:r>
+            <a:r>
+              <a:rPr lang="en-US" dirty="0" smtClean="0"/>
+              <a:t>-script </a:t>
+            </a:r>
+            <a:r>
+              <a:rPr lang="en-US" dirty="0" err="1" smtClean="0"/>
+              <a:t>som</a:t>
+            </a:r>
+            <a:r>
+              <a:rPr lang="en-US" dirty="0" smtClean="0"/>
+              <a:t> </a:t>
+            </a:r>
+            <a:r>
+              <a:rPr lang="en-US" dirty="0" err="1" smtClean="0"/>
+              <a:t>populerer</a:t>
+            </a:r>
+            <a:r>
+              <a:rPr lang="en-US" dirty="0" smtClean="0"/>
+              <a:t> </a:t>
+            </a:r>
+            <a:r>
+              <a:rPr lang="en-US" dirty="0" err="1" smtClean="0"/>
+              <a:t>formen</a:t>
+            </a:r>
+            <a:r>
+              <a:rPr lang="en-US" dirty="0" smtClean="0"/>
+              <a:t> </a:t>
+            </a:r>
+            <a:r>
+              <a:rPr lang="en-US" dirty="0" smtClean="0"/>
+              <a:t>med </a:t>
+            </a:r>
+            <a:r>
+              <a:rPr lang="en-US" dirty="0" err="1" smtClean="0"/>
+              <a:t>bokinformasjon</a:t>
+            </a:r>
+            <a:r>
+              <a:rPr lang="en-US" dirty="0" smtClean="0"/>
+              <a:t> </a:t>
+            </a:r>
+            <a:r>
+              <a:rPr lang="en-US" dirty="0" err="1" smtClean="0"/>
+              <a:t>når</a:t>
+            </a:r>
+            <a:r>
+              <a:rPr lang="en-US" dirty="0" smtClean="0"/>
+              <a:t> </a:t>
+            </a:r>
+            <a:r>
+              <a:rPr lang="en-US" dirty="0" err="1" smtClean="0"/>
+              <a:t>bruker</a:t>
+            </a:r>
+            <a:r>
+              <a:rPr lang="en-US" dirty="0" smtClean="0"/>
+              <a:t> </a:t>
+            </a:r>
+            <a:r>
+              <a:rPr lang="en-US" dirty="0" err="1" smtClean="0"/>
+              <a:t>velger</a:t>
             </a:r>
             <a:r>
               <a:rPr lang="en-US" dirty="0" smtClean="0"/>
@@ -3936,55 +4079,12 @@
               <a:rPr lang="en-US" dirty="0" err="1" smtClean="0"/>
               <a:t>bok</a:t>
             </a:r>
-            <a:r>
-              <a:rPr lang="en-US" dirty="0" smtClean="0"/>
-              <a:t> med update-method</a:t>
-            </a:r>
-          </a:p>
-          <a:p>
-            <a:pPr lvl="1"/>
-            <a:r>
-              <a:rPr lang="en-US" dirty="0" smtClean="0"/>
-              <a:t>@</a:t>
-            </a:r>
+            <a:endParaRPr lang="en-US" dirty="0" smtClean="0"/>
+          </a:p>
+          <a:p>
             <a:r>
               <a:rPr lang="en-US" dirty="0" err="1" smtClean="0"/>
-              <a:t>RequestMethod.</a:t>
-            </a:r>
-            <a:r>
-              <a:rPr lang="en-US" i="1" dirty="0" err="1" smtClean="0"/>
-              <a:t>PUT</a:t>
-            </a:r>
-            <a:endParaRPr lang="en-US" i="1" dirty="0" smtClean="0"/>
-          </a:p>
-          <a:p>
-            <a:pPr lvl="1"/>
-            <a:r>
-              <a:rPr lang="en-US" dirty="0"/>
-              <a:t>@</a:t>
-            </a:r>
-            <a:r>
-              <a:rPr lang="en-US" dirty="0" err="1" smtClean="0"/>
-              <a:t>ResponseBody</a:t>
-            </a:r>
-            <a:endParaRPr lang="en-US" dirty="0" smtClean="0"/>
-          </a:p>
-          <a:p>
-            <a:r>
-              <a:rPr lang="en-US" dirty="0" smtClean="0"/>
-              <a:t>La et </a:t>
-            </a:r>
-            <a:r>
-              <a:rPr lang="en-US" dirty="0" err="1" smtClean="0"/>
-              <a:t>js</a:t>
-            </a:r>
-            <a:r>
-              <a:rPr lang="en-US" dirty="0" smtClean="0"/>
-              <a:t>-script </a:t>
-            </a:r>
-            <a:r>
-              <a:rPr lang="en-US" dirty="0" err="1" smtClean="0"/>
-              <a:t>som</a:t>
+              <a:t>Endre</a:t>
             </a:r>
             <a:r>
               <a:rPr lang="en-US" dirty="0" smtClean="0"/>
@@ -3992,7 +4092,7 @@
             </a:r>
             <a:r>
               <a:rPr lang="en-US" dirty="0" err="1" smtClean="0"/>
-              <a:t>populerer</a:t>
+              <a:t>tekst</a:t>
             </a:r>
             <a:r>
               <a:rPr lang="en-US" dirty="0" smtClean="0"/>
@@ -4000,15 +4100,15 @@
             </a:r>
             <a:r>
               <a:rPr lang="en-US" dirty="0" err="1" smtClean="0"/>
-              <a:t>formen</a:t>
+              <a:t>på</a:t>
             </a:r>
             <a:r>
               <a:rPr lang="en-US" dirty="0" smtClean="0"/>
-              <a:t> med </a:t>
+              <a:t> submit-</a:t>
             </a:r>
             <a:r>
               <a:rPr lang="en-US" dirty="0" err="1" smtClean="0"/>
-              <a:t>riktig</a:t>
+              <a:t>knapp</a:t>
             </a:r>
             <a:r>
               <a:rPr lang="en-US" dirty="0" smtClean="0"/>
@@ -4016,14 +4116,7 @@
             </a:r>
             <a:r>
               <a:rPr lang="en-US" dirty="0" err="1" smtClean="0"/>
-              <a:t>bok</a:t>
-            </a:r>
-            <a:endParaRPr lang="en-US" dirty="0" smtClean="0"/>
-          </a:p>
-          <a:p>
-            <a:r>
-              <a:rPr lang="en-US" dirty="0" err="1" smtClean="0"/>
-              <a:t>Endre</a:t>
+              <a:t>samt</a:t>
             </a:r>
             <a:r>
               <a:rPr lang="en-US" dirty="0" smtClean="0"/>
@@ -4031,7 +4124,46 @@
             </a:r>
             <a:r>
               <a:rPr lang="en-US" dirty="0" err="1" smtClean="0"/>
-              <a:t>tekst</a:t>
+              <a:t>onclick-funksjon</a:t>
+            </a:r>
+            <a:endParaRPr lang="en-US" dirty="0" smtClean="0"/>
+          </a:p>
+          <a:p>
+            <a:pPr lvl="1"/>
+            <a:r>
+              <a:rPr lang="en-US" dirty="0" err="1" smtClean="0"/>
+              <a:t>JSON.stringify</a:t>
+            </a:r>
+            <a:r>
+              <a:rPr lang="en-US" dirty="0" smtClean="0"/>
+              <a:t>(</a:t>
+            </a:r>
+            <a:r>
+              <a:rPr lang="en-US" dirty="0" err="1" smtClean="0"/>
+              <a:t>bookObject</a:t>
+            </a:r>
+            <a:r>
+              <a:rPr lang="en-US" dirty="0" smtClean="0"/>
+              <a:t>)</a:t>
+            </a:r>
+          </a:p>
+          <a:p>
+            <a:pPr lvl="2"/>
+            <a:r>
+              <a:rPr lang="nb-NO" smtClean="0"/>
+              <a:t>Returnerer en json representasjon av ett javascript-objekt, slik at man kan sende det til serveren</a:t>
+            </a:r>
+            <a:endParaRPr lang="nb-NO" dirty="0" smtClean="0"/>
+          </a:p>
+          <a:p>
+            <a:pPr lvl="1"/>
+            <a:r>
+              <a:rPr lang="en-US" dirty="0" smtClean="0"/>
+              <a:t>Ajax </a:t>
+            </a:r>
+            <a:r>
+              <a:rPr lang="en-US" dirty="0" err="1" smtClean="0"/>
+              <a:t>kallet</a:t>
             </a:r>
             <a:r>
               <a:rPr lang="en-US" dirty="0" smtClean="0"/>
@@ -4039,15 +4171,15 @@
             </a:r>
             <a:r>
               <a:rPr lang="en-US" dirty="0" err="1" smtClean="0"/>
-              <a:t>på</a:t>
+              <a:t>må</a:t>
             </a:r>
             <a:r>
               <a:rPr lang="en-US" dirty="0" smtClean="0"/>
-              <a:t> submit-</a:t>
+              <a:t> ha </a:t>
             </a:r>
             <a:r>
               <a:rPr lang="en-US" dirty="0" err="1" smtClean="0"/>
-              <a:t>knapp</a:t>
+              <a:t>noen</a:t>
             </a:r>
             <a:r>
               <a:rPr lang="en-US" dirty="0" smtClean="0"/>
@@ -4055,7 +4187,7 @@
             </a:r>
             <a:r>
               <a:rPr lang="en-US" dirty="0" err="1" smtClean="0"/>
-              <a:t>samt</a:t>
+              <a:t>nye</a:t>
             </a:r>
             <a:r>
               <a:rPr lang="en-US" dirty="0" smtClean="0"/>
@@ -4063,7 +4195,78 @@
             </a:r>
             <a:r>
               <a:rPr lang="en-US" dirty="0" err="1" smtClean="0"/>
-              <a:t>onclick-funksjon</a:t>
+              <a:t>parametere</a:t>
+            </a:r>
+            <a:r>
+              <a:rPr lang="en-US" dirty="0" smtClean="0"/>
+              <a:t>:</a:t>
+            </a:r>
+            <a:endParaRPr lang="en-US" dirty="0"/>
+          </a:p>
+          <a:p>
+            <a:pPr lvl="2"/>
+            <a:r>
+              <a:rPr lang="en-US" dirty="0" smtClean="0"/>
+              <a:t>data </a:t>
+            </a:r>
+            <a:r>
+              <a:rPr lang="en-US" dirty="0"/>
+              <a:t>: </a:t>
+            </a:r>
+            <a:r>
+              <a:rPr lang="en-US" dirty="0" err="1" smtClean="0"/>
+              <a:t>jsonifisertBook</a:t>
+            </a:r>
+            <a:endParaRPr lang="en-US" dirty="0" smtClean="0"/>
+          </a:p>
+          <a:p>
+            <a:pPr lvl="2"/>
+            <a:r>
+              <a:rPr lang="en-US" dirty="0" err="1" smtClean="0"/>
+              <a:t>dataType</a:t>
+            </a:r>
+            <a:r>
+              <a:rPr lang="en-US" dirty="0" smtClean="0"/>
+              <a:t> </a:t>
+            </a:r>
+            <a:r>
+              <a:rPr lang="en-US" dirty="0"/>
+              <a:t>: "</a:t>
+            </a:r>
+            <a:r>
+              <a:rPr lang="en-US" dirty="0" err="1" smtClean="0"/>
+              <a:t>json</a:t>
+            </a:r>
+            <a:r>
+              <a:rPr lang="en-US" dirty="0" smtClean="0"/>
+              <a:t>“</a:t>
+            </a:r>
+          </a:p>
+          <a:p>
+            <a:pPr lvl="2"/>
+            <a:r>
+              <a:rPr lang="en-US" dirty="0" err="1" smtClean="0"/>
+              <a:t>contentType</a:t>
+            </a:r>
+            <a:r>
+              <a:rPr lang="en-US" dirty="0" smtClean="0"/>
+              <a:t> </a:t>
+            </a:r>
+            <a:r>
+              <a:rPr lang="en-US" dirty="0"/>
+              <a:t>: "application/</a:t>
+            </a:r>
+            <a:r>
+              <a:rPr lang="en-US" dirty="0" err="1"/>
+              <a:t>json</a:t>
+            </a:r>
+            <a:r>
+              <a:rPr lang="en-US" dirty="0"/>
+              <a:t>; </a:t>
+            </a:r>
+            <a:r>
+              <a:rPr lang="en-US" dirty="0" smtClean="0"/>
+              <a:t>charset=utf-8”</a:t>
             </a:r>
             <a:endParaRPr lang="en-US" dirty="0" smtClean="0"/>
           </a:p>
@@ -4077,7 +4280,7 @@
         </p:nvSpPr>
         <p:spPr>
           <a:xfrm>
-            <a:off x="5652120" y="2636912"/>
+            <a:off x="6228184" y="548680"/>
             <a:ext cx="2592288" cy="1008112"/>
           </a:xfrm>
           <a:prstGeom prst="roundRect">
@@ -4106,8 +4309,13 @@
           <a:p>
             <a:r>
               <a:rPr lang="nb-NO" sz="900" dirty="0" smtClean="0"/>
-              <a:t>Legg til følgende i pom.xml for JSON støtte:</a:t>
-            </a:r>
+              <a:t>Legg til følgende i pom.xml for JSON </a:t>
+            </a:r>
+            <a:r>
+              <a:rPr lang="nb-NO" sz="900" dirty="0" smtClean="0"/>
+              <a:t>støtte i Spring MVC:</a:t>
+            </a:r>
+            <a:endParaRPr lang="nb-NO" sz="900" dirty="0" smtClean="0"/>
           </a:p>
           <a:p>
             <a:r>
@@ -4200,7 +4408,7 @@
     </p:spTree>
     <p:extLst>
       <p:ext uri="{BB962C8B-B14F-4D97-AF65-F5344CB8AC3E}">
-        <p14:creationId xmlns:p14="http://schemas.microsoft.com/office/powerpoint/2010/main" xmlns="" val="3268482563"/>
+        <p14:creationId xmlns:p14="http://schemas.microsoft.com/office/powerpoint/2010/main" val="3268482563"/>
       </p:ext>
     </p:extLst>
   </p:cSld>

--- a/Oppgave.pptx
+++ b/Oppgave.pptx
@@ -3592,19 +3592,23 @@
           <a:p>
             <a:r>
               <a:rPr lang="nb-NO" dirty="0" smtClean="0"/>
-              <a:t>Lage en tjeneste som henter en </a:t>
-            </a:r>
-            <a:r>
-              <a:rPr lang="nb-NO" dirty="0" err="1" smtClean="0"/>
-              <a:t>spesifik</a:t>
-            </a:r>
+              <a:t>Lage en tjeneste som henter en spesifik bok basert på id </a:t>
+            </a:r>
+            <a:endParaRPr lang="nb-NO" dirty="0" smtClean="0"/>
+          </a:p>
+          <a:p>
+            <a:pPr lvl="1"/>
             <a:r>
               <a:rPr lang="nb-NO" dirty="0" smtClean="0"/>
-              <a:t> bok basert på id /books/{id}</a:t>
-            </a:r>
-          </a:p>
-          <a:p>
-            <a:pPr lvl="2"/>
+              <a:t>/</a:t>
+            </a:r>
+            <a:r>
+              <a:rPr lang="nb-NO" dirty="0" smtClean="0"/>
+              <a:t>books/{id}</a:t>
+            </a:r>
+          </a:p>
+          <a:p>
+            <a:pPr lvl="1"/>
             <a:r>
               <a:rPr lang="nb-NO" dirty="0" smtClean="0"/>
               <a:t>Se @Pathvariable</a:t>
@@ -3613,15 +3617,7 @@
           <a:p>
             <a:r>
               <a:rPr lang="nb-NO" dirty="0" smtClean="0"/>
-              <a:t>Lage </a:t>
-            </a:r>
-            <a:r>
-              <a:rPr lang="nb-NO" dirty="0" smtClean="0"/>
-              <a:t>tilhørende </a:t>
-            </a:r>
-            <a:r>
-              <a:rPr lang="nb-NO" dirty="0" smtClean="0"/>
-              <a:t>view som viser boka</a:t>
+              <a:t>Lage tilhørende view som viser boka</a:t>
             </a:r>
           </a:p>
           <a:p>
@@ -3946,11 +3942,7 @@
             </a:r>
             <a:r>
               <a:rPr lang="en-US" dirty="0" smtClean="0"/>
-              <a:t> </a:t>
-            </a:r>
-            <a:r>
-              <a:rPr lang="en-US" dirty="0" smtClean="0"/>
-              <a:t>en </a:t>
+              <a:t> en </a:t>
             </a:r>
             <a:r>
               <a:rPr lang="en-US" dirty="0" err="1" smtClean="0"/>
@@ -4037,11 +4029,7 @@
             </a:r>
             <a:r>
               <a:rPr lang="en-US" dirty="0" smtClean="0"/>
-              <a:t> </a:t>
-            </a:r>
-            <a:r>
-              <a:rPr lang="en-US" dirty="0" smtClean="0"/>
-              <a:t>med </a:t>
+              <a:t> med </a:t>
             </a:r>
             <a:r>
               <a:rPr lang="en-US" dirty="0" err="1" smtClean="0"/>
@@ -4268,7 +4256,6 @@
               <a:rPr lang="en-US" dirty="0" smtClean="0"/>
               <a:t>charset=utf-8”</a:t>
             </a:r>
-            <a:endParaRPr lang="en-US" dirty="0" smtClean="0"/>
           </a:p>
         </p:txBody>
       </p:sp>
@@ -4309,13 +4296,8 @@
           <a:p>
             <a:r>
               <a:rPr lang="nb-NO" sz="900" dirty="0" smtClean="0"/>
-              <a:t>Legg til følgende i pom.xml for JSON </a:t>
-            </a:r>
-            <a:r>
-              <a:rPr lang="nb-NO" sz="900" dirty="0" smtClean="0"/>
-              <a:t>støtte i Spring MVC:</a:t>
-            </a:r>
-            <a:endParaRPr lang="nb-NO" sz="900" dirty="0" smtClean="0"/>
+              <a:t>Legg til følgende i pom.xml for JSON støtte i Spring MVC:</a:t>
+            </a:r>
           </a:p>
           <a:p>
             <a:r>
